--- a/docs/ModelBuilding_LitOnly_080419.pptx
+++ b/docs/ModelBuilding_LitOnly_080419.pptx
@@ -230,7 +230,7 @@
           <a:p>
             <a:fld id="{2FCFE759-3097-7547-B0DF-49F6652B79AE}" type="datetimeFigureOut">
               <a:rPr lang="en-US" smtClean="0"/>
-              <a:t>8/8/19</a:t>
+              <a:t>10/17/19</a:t>
             </a:fld>
             <a:endParaRPr lang="en-US"/>
           </a:p>
@@ -1346,7 +1346,7 @@
           <a:p>
             <a:fld id="{397DFE9D-92A4-4B4C-9416-DA485541F77B}" type="datetimeFigureOut">
               <a:rPr lang="en-US" smtClean="0"/>
-              <a:t>8/8/19</a:t>
+              <a:t>10/17/19</a:t>
             </a:fld>
             <a:endParaRPr lang="en-US"/>
           </a:p>
@@ -1544,7 +1544,7 @@
           <a:p>
             <a:fld id="{397DFE9D-92A4-4B4C-9416-DA485541F77B}" type="datetimeFigureOut">
               <a:rPr lang="en-US" smtClean="0"/>
-              <a:t>8/8/19</a:t>
+              <a:t>10/17/19</a:t>
             </a:fld>
             <a:endParaRPr lang="en-US"/>
           </a:p>
@@ -1752,7 +1752,7 @@
           <a:p>
             <a:fld id="{397DFE9D-92A4-4B4C-9416-DA485541F77B}" type="datetimeFigureOut">
               <a:rPr lang="en-US" smtClean="0"/>
-              <a:t>8/8/19</a:t>
+              <a:t>10/17/19</a:t>
             </a:fld>
             <a:endParaRPr lang="en-US"/>
           </a:p>
@@ -1950,7 +1950,7 @@
           <a:p>
             <a:fld id="{397DFE9D-92A4-4B4C-9416-DA485541F77B}" type="datetimeFigureOut">
               <a:rPr lang="en-US" smtClean="0"/>
-              <a:t>8/8/19</a:t>
+              <a:t>10/17/19</a:t>
             </a:fld>
             <a:endParaRPr lang="en-US"/>
           </a:p>
@@ -2225,7 +2225,7 @@
           <a:p>
             <a:fld id="{397DFE9D-92A4-4B4C-9416-DA485541F77B}" type="datetimeFigureOut">
               <a:rPr lang="en-US" smtClean="0"/>
-              <a:t>8/8/19</a:t>
+              <a:t>10/17/19</a:t>
             </a:fld>
             <a:endParaRPr lang="en-US"/>
           </a:p>
@@ -2490,7 +2490,7 @@
           <a:p>
             <a:fld id="{397DFE9D-92A4-4B4C-9416-DA485541F77B}" type="datetimeFigureOut">
               <a:rPr lang="en-US" smtClean="0"/>
-              <a:t>8/8/19</a:t>
+              <a:t>10/17/19</a:t>
             </a:fld>
             <a:endParaRPr lang="en-US"/>
           </a:p>
@@ -2902,7 +2902,7 @@
           <a:p>
             <a:fld id="{397DFE9D-92A4-4B4C-9416-DA485541F77B}" type="datetimeFigureOut">
               <a:rPr lang="en-US" smtClean="0"/>
-              <a:t>8/8/19</a:t>
+              <a:t>10/17/19</a:t>
             </a:fld>
             <a:endParaRPr lang="en-US"/>
           </a:p>
@@ -3043,7 +3043,7 @@
           <a:p>
             <a:fld id="{397DFE9D-92A4-4B4C-9416-DA485541F77B}" type="datetimeFigureOut">
               <a:rPr lang="en-US" smtClean="0"/>
-              <a:t>8/8/19</a:t>
+              <a:t>10/17/19</a:t>
             </a:fld>
             <a:endParaRPr lang="en-US"/>
           </a:p>
@@ -3156,7 +3156,7 @@
           <a:p>
             <a:fld id="{397DFE9D-92A4-4B4C-9416-DA485541F77B}" type="datetimeFigureOut">
               <a:rPr lang="en-US" smtClean="0"/>
-              <a:t>8/8/19</a:t>
+              <a:t>10/17/19</a:t>
             </a:fld>
             <a:endParaRPr lang="en-US"/>
           </a:p>
@@ -3467,7 +3467,7 @@
           <a:p>
             <a:fld id="{397DFE9D-92A4-4B4C-9416-DA485541F77B}" type="datetimeFigureOut">
               <a:rPr lang="en-US" smtClean="0"/>
-              <a:t>8/8/19</a:t>
+              <a:t>10/17/19</a:t>
             </a:fld>
             <a:endParaRPr lang="en-US"/>
           </a:p>
@@ -3755,7 +3755,7 @@
           <a:p>
             <a:fld id="{397DFE9D-92A4-4B4C-9416-DA485541F77B}" type="datetimeFigureOut">
               <a:rPr lang="en-US" smtClean="0"/>
-              <a:t>8/8/19</a:t>
+              <a:t>10/17/19</a:t>
             </a:fld>
             <a:endParaRPr lang="en-US"/>
           </a:p>
@@ -3996,7 +3996,7 @@
           <a:p>
             <a:fld id="{397DFE9D-92A4-4B4C-9416-DA485541F77B}" type="datetimeFigureOut">
               <a:rPr lang="en-US" smtClean="0"/>
-              <a:t>8/8/19</a:t>
+              <a:t>10/17/19</a:t>
             </a:fld>
             <a:endParaRPr lang="en-US"/>
           </a:p>
@@ -18871,8 +18871,8 @@
           </a:prstGeom>
         </p:spPr>
       </p:pic>
-      <mc:AlternateContent xmlns:mc="http://schemas.openxmlformats.org/markup-compatibility/2006" xmlns:a14="http://schemas.microsoft.com/office/drawing/2010/main">
-        <mc:Choice Requires="a14">
+      <mc:AlternateContent xmlns:mc="http://schemas.openxmlformats.org/markup-compatibility/2006">
+        <mc:Choice xmlns:a14="http://schemas.microsoft.com/office/drawing/2010/main" Requires="a14">
           <p:sp>
             <p:nvSpPr>
               <p:cNvPr id="3" name="TextBox 2">
@@ -18888,7 +18888,7 @@
             <p:spPr>
               <a:xfrm>
                 <a:off x="2094469" y="4783776"/>
-                <a:ext cx="3089179" cy="461665"/>
+                <a:ext cx="3087577" cy="461665"/>
               </a:xfrm>
               <a:prstGeom prst="rect">
                 <a:avLst/>
@@ -18950,7 +18950,13 @@
                             <a:rPr lang="en-US" sz="3000" b="0" i="1" smtClean="0">
                               <a:latin typeface="Cambria Math" panose="02040503050406030204" pitchFamily="18" charset="0"/>
                             </a:rPr>
-                            <m:t>𝑏𝑁</m:t>
+                            <m:t>𝑥</m:t>
+                          </m:r>
+                          <m:r>
+                            <a:rPr lang="en-US" sz="3000" b="0" i="1" smtClean="0">
+                              <a:latin typeface="Cambria Math" panose="02040503050406030204" pitchFamily="18" charset="0"/>
+                            </a:rPr>
+                            <m:t>𝑁</m:t>
                           </m:r>
                         </m:e>
                         <m:sub>
@@ -18988,7 +18994,7 @@
             </p:txBody>
           </p:sp>
         </mc:Choice>
-        <mc:Fallback xmlns="">
+        <mc:Fallback>
           <p:sp>
             <p:nvSpPr>
               <p:cNvPr id="3" name="TextBox 2">
@@ -19006,7 +19012,7 @@
             <p:spPr>
               <a:xfrm>
                 <a:off x="2094469" y="4783776"/>
-                <a:ext cx="3089179" cy="461665"/>
+                <a:ext cx="3087577" cy="461665"/>
               </a:xfrm>
               <a:prstGeom prst="rect">
                 <a:avLst/>
@@ -19048,7 +19054,7 @@
         <p:spPr>
           <a:xfrm>
             <a:off x="6215448" y="4506778"/>
-            <a:ext cx="4806779" cy="1938992"/>
+            <a:ext cx="4806779" cy="2246769"/>
           </a:xfrm>
           <a:prstGeom prst="rect">
             <a:avLst/>
@@ -19073,7 +19079,7 @@
               <a:rPr lang="en-US" sz="2000" i="1" dirty="0">
                 <a:latin typeface="Helvetica" pitchFamily="2" charset="0"/>
               </a:rPr>
-              <a:t>b</a:t>
+              <a:t>x</a:t>
             </a:r>
             <a:r>
               <a:rPr lang="en-US" sz="2000" dirty="0">
@@ -19081,9 +19087,14 @@
               </a:rPr>
               <a:t> = 0.56</a:t>
             </a:r>
-            <a:endParaRPr lang="en-US" sz="2000" i="1" dirty="0">
-              <a:latin typeface="Helvetica" pitchFamily="2" charset="0"/>
-            </a:endParaRPr>
+          </a:p>
+          <a:p>
+            <a:r>
+              <a:rPr lang="en-US" sz="2000" i="1" dirty="0">
+                <a:latin typeface="Helvetica" pitchFamily="2" charset="0"/>
+              </a:rPr>
+              <a:t>b = 1 – x = 0.44</a:t>
+            </a:r>
           </a:p>
           <a:p>
             <a:endParaRPr lang="en-US" sz="2000" i="1" dirty="0">
